--- a/PIMON-2023/PIMON-2023.pptx
+++ b/PIMON-2023/PIMON-2023.pptx
@@ -7,7 +7,10 @@
   <p:sldIdLst>
     <p:sldId id="256" r:id="rId2"/>
     <p:sldId id="263" r:id="rId3"/>
-    <p:sldId id="261" r:id="rId4"/>
+    <p:sldId id="264" r:id="rId4"/>
+    <p:sldId id="265" r:id="rId5"/>
+    <p:sldId id="266" r:id="rId6"/>
+    <p:sldId id="261" r:id="rId7"/>
   </p:sldIdLst>
   <p:sldSz cx="12192000" cy="6858000"/>
   <p:notesSz cx="6858000" cy="9144000"/>
@@ -360,7 +363,7 @@
             <a:fld id="{B61BEF0D-F0BB-DE4B-95CE-6DB70DBA9567}" type="datetimeFigureOut">
               <a:rPr lang="en-US" dirty="0"/>
               <a:pPr/>
-              <a:t>9/7/2023</a:t>
+              <a:t>9/8/2023</a:t>
             </a:fld>
             <a:endParaRPr lang="en-US" dirty="0"/>
           </a:p>
@@ -619,7 +622,7 @@
             <a:fld id="{B61BEF0D-F0BB-DE4B-95CE-6DB70DBA9567}" type="datetimeFigureOut">
               <a:rPr lang="en-US" dirty="0"/>
               <a:pPr/>
-              <a:t>9/7/2023</a:t>
+              <a:t>9/8/2023</a:t>
             </a:fld>
             <a:endParaRPr lang="en-US" dirty="0"/>
           </a:p>
@@ -851,7 +854,7 @@
             <a:fld id="{B61BEF0D-F0BB-DE4B-95CE-6DB70DBA9567}" type="datetimeFigureOut">
               <a:rPr lang="en-US" dirty="0"/>
               <a:pPr/>
-              <a:t>9/7/2023</a:t>
+              <a:t>9/8/2023</a:t>
             </a:fld>
             <a:endParaRPr lang="en-US" dirty="0"/>
           </a:p>
@@ -1088,7 +1091,7 @@
             <a:fld id="{B61BEF0D-F0BB-DE4B-95CE-6DB70DBA9567}" type="datetimeFigureOut">
               <a:rPr lang="en-US" dirty="0"/>
               <a:pPr/>
-              <a:t>9/7/2023</a:t>
+              <a:t>9/8/2023</a:t>
             </a:fld>
             <a:endParaRPr lang="en-US" dirty="0"/>
           </a:p>
@@ -1392,7 +1395,7 @@
             <a:fld id="{B61BEF0D-F0BB-DE4B-95CE-6DB70DBA9567}" type="datetimeFigureOut">
               <a:rPr lang="en-US" dirty="0"/>
               <a:pPr/>
-              <a:t>9/7/2023</a:t>
+              <a:t>9/8/2023</a:t>
             </a:fld>
             <a:endParaRPr lang="en-US" dirty="0"/>
           </a:p>
@@ -1691,7 +1694,7 @@
             <a:fld id="{B61BEF0D-F0BB-DE4B-95CE-6DB70DBA9567}" type="datetimeFigureOut">
               <a:rPr lang="en-US" dirty="0"/>
               <a:pPr/>
-              <a:t>9/7/2023</a:t>
+              <a:t>9/8/2023</a:t>
             </a:fld>
             <a:endParaRPr lang="en-US" dirty="0"/>
           </a:p>
@@ -2110,7 +2113,7 @@
             <a:fld id="{B61BEF0D-F0BB-DE4B-95CE-6DB70DBA9567}" type="datetimeFigureOut">
               <a:rPr lang="en-US" dirty="0"/>
               <a:pPr/>
-              <a:t>9/7/2023</a:t>
+              <a:t>9/8/2023</a:t>
             </a:fld>
             <a:endParaRPr lang="en-US" dirty="0"/>
           </a:p>
@@ -2269,7 +2272,7 @@
             <a:fld id="{B61BEF0D-F0BB-DE4B-95CE-6DB70DBA9567}" type="datetimeFigureOut">
               <a:rPr lang="en-US" dirty="0"/>
               <a:pPr/>
-              <a:t>9/7/2023</a:t>
+              <a:t>9/8/2023</a:t>
             </a:fld>
             <a:endParaRPr lang="en-US" dirty="0"/>
           </a:p>
@@ -2361,7 +2364,7 @@
             <a:fld id="{B61BEF0D-F0BB-DE4B-95CE-6DB70DBA9567}" type="datetimeFigureOut">
               <a:rPr lang="en-US" dirty="0"/>
               <a:pPr/>
-              <a:t>9/7/2023</a:t>
+              <a:t>9/8/2023</a:t>
             </a:fld>
             <a:endParaRPr lang="en-US" dirty="0"/>
           </a:p>
@@ -2736,7 +2739,7 @@
             <a:fld id="{B61BEF0D-F0BB-DE4B-95CE-6DB70DBA9567}" type="datetimeFigureOut">
               <a:rPr lang="en-US" dirty="0"/>
               <a:pPr/>
-              <a:t>9/7/2023</a:t>
+              <a:t>9/8/2023</a:t>
             </a:fld>
             <a:endParaRPr lang="en-US" dirty="0"/>
           </a:p>
@@ -3022,7 +3025,7 @@
             <a:fld id="{B61BEF0D-F0BB-DE4B-95CE-6DB70DBA9567}" type="datetimeFigureOut">
               <a:rPr lang="en-US" dirty="0"/>
               <a:pPr/>
-              <a:t>9/7/2023</a:t>
+              <a:t>9/8/2023</a:t>
             </a:fld>
             <a:endParaRPr lang="en-US" dirty="0"/>
           </a:p>
@@ -3230,7 +3233,7 @@
             <a:fld id="{B61BEF0D-F0BB-DE4B-95CE-6DB70DBA9567}" type="datetimeFigureOut">
               <a:rPr lang="en-US" dirty="0"/>
               <a:pPr/>
-              <a:t>9/7/2023</a:t>
+              <a:t>9/8/2023</a:t>
             </a:fld>
             <a:endParaRPr lang="en-US" dirty="0"/>
           </a:p>
@@ -3844,7 +3847,11 @@
           <a:p>
             <a:r>
               <a:rPr lang="en-US" dirty="0" smtClean="0"/>
-              <a:t>PIMON-2023</a:t>
+              <a:t>PIMON-2023 – </a:t>
+            </a:r>
+            <a:r>
+              <a:rPr lang="ru-RU" dirty="0" smtClean="0"/>
+              <a:t>пятый выпуск</a:t>
             </a:r>
             <a:endParaRPr lang="ru-RU" dirty="0"/>
           </a:p>
@@ -3993,7 +4000,7 @@
         </p:spPr>
         <p:txBody>
           <a:bodyPr>
-            <a:normAutofit/>
+            <a:normAutofit lnSpcReduction="10000"/>
           </a:bodyPr>
           <a:lstStyle/>
           <a:p>
@@ -4006,7 +4013,23 @@
             </a:r>
             <a:r>
               <a:rPr lang="ru-RU" dirty="0" smtClean="0"/>
-              <a:t>связи</a:t>
+              <a:t>связи, подключение к </a:t>
+            </a:r>
+            <a:r>
+              <a:rPr lang="en-US" dirty="0">
+                <a:hlinkClick r:id="rId2"/>
+              </a:rPr>
+              <a:t>https://</a:t>
+            </a:r>
+            <a:r>
+              <a:rPr lang="en-US" dirty="0" smtClean="0">
+                <a:hlinkClick r:id="rId2"/>
+              </a:rPr>
+              <a:t>t.me/PIMON_year</a:t>
+            </a:r>
+            <a:r>
+              <a:rPr lang="en-US" dirty="0" smtClean="0"/>
+              <a:t> </a:t>
             </a:r>
             <a:r>
               <a:rPr lang="en-US" dirty="0"/>
@@ -4024,18 +4047,46 @@
             </a:br>
             <a:r>
               <a:rPr lang="ru-RU" dirty="0"/>
-              <a:t>10:10 - 10:40 "Опыт использования </a:t>
-            </a:r>
-            <a:r>
-              <a:rPr lang="en-US" dirty="0"/>
+              <a:t>10:10 - </a:t>
+            </a:r>
+            <a:r>
+              <a:rPr lang="ru-RU" dirty="0"/>
+              <a:t>1 </a:t>
+            </a:r>
+            <a:r>
+              <a:rPr lang="ru-RU" dirty="0" smtClean="0"/>
+              <a:t>1</a:t>
+            </a:r>
+            <a:r>
+              <a:rPr lang="ru-RU" dirty="0" smtClean="0"/>
+              <a:t>:</a:t>
+            </a:r>
+            <a:r>
+              <a:rPr lang="en-US" dirty="0" smtClean="0"/>
+              <a:t>3</a:t>
+            </a:r>
+            <a:r>
+              <a:rPr lang="ru-RU" dirty="0" smtClean="0"/>
+              <a:t>0 </a:t>
+            </a:r>
+            <a:r>
+              <a:rPr lang="ru-RU" dirty="0"/>
+              <a:t>"</a:t>
+            </a:r>
+            <a:r>
+              <a:rPr lang="ru-RU" b="1" dirty="0"/>
+              <a:t>Опыт использования </a:t>
+            </a:r>
+            <a:r>
+              <a:rPr lang="en-US" b="1" dirty="0"/>
               <a:t>CIC </a:t>
             </a:r>
             <a:r>
-              <a:rPr lang="ru-RU" dirty="0"/>
+              <a:rPr lang="ru-RU" b="1" dirty="0"/>
               <a:t>в </a:t>
             </a:r>
             <a:r>
-              <a:rPr lang="ru-RU" dirty="0" err="1"/>
+              <a:rPr lang="ru-RU" b="1" dirty="0" err="1"/>
               <a:t>проде</a:t>
             </a:r>
             <a:r>
@@ -4088,11 +4139,35 @@
               <a:rPr lang="en-US" sz="1000" dirty="0" smtClean="0"/>
             </a:br>
             <a:r>
-              <a:rPr lang="ru-RU" dirty="0"/>
-              <a:t>11:00 - 11:45 "</a:t>
-            </a:r>
-            <a:r>
-              <a:rPr lang="ru-RU" dirty="0" err="1"/>
+              <a:rPr lang="ru-RU" dirty="0" smtClean="0"/>
+              <a:t>11:</a:t>
+            </a:r>
+            <a:r>
+              <a:rPr lang="en-US" dirty="0" smtClean="0"/>
+              <a:t>40</a:t>
+            </a:r>
+            <a:r>
+              <a:rPr lang="ru-RU" dirty="0" smtClean="0"/>
+              <a:t> – 13</a:t>
+            </a:r>
+            <a:r>
+              <a:rPr lang="en-US" dirty="0" smtClean="0"/>
+              <a:t>:</a:t>
+            </a:r>
+            <a:r>
+              <a:rPr lang="ru-RU" dirty="0" smtClean="0"/>
+              <a:t>2</a:t>
+            </a:r>
+            <a:r>
+              <a:rPr lang="en-US" dirty="0" smtClean="0"/>
+              <a:t>0</a:t>
+            </a:r>
+            <a:r>
+              <a:rPr lang="ru-RU" dirty="0" smtClean="0"/>
+              <a:t> "</a:t>
+            </a:r>
+            <a:r>
+              <a:rPr lang="ru-RU" b="1" dirty="0" err="1"/>
               <a:t>GoGoXi</a:t>
             </a:r>
             <a:r>
@@ -4116,7 +4191,23 @@
             </a:r>
             <a:r>
               <a:rPr lang="ru-RU" sz="1400" dirty="0"/>
-              <a:t> - внутренний инструмент анализа показателей работы SAP </a:t>
+              <a:t> </a:t>
+            </a:r>
+            <a:r>
+              <a:rPr lang="en-US" sz="1400" dirty="0" smtClean="0"/>
+              <a:t>(</a:t>
+            </a:r>
+            <a:r>
+              <a:rPr lang="ru-RU" sz="1400" dirty="0" err="1" smtClean="0"/>
+              <a:t>гогокси</a:t>
+            </a:r>
+            <a:r>
+              <a:rPr lang="ru-RU" sz="1400" dirty="0" smtClean="0"/>
+              <a:t>) - </a:t>
+            </a:r>
+            <a:r>
+              <a:rPr lang="ru-RU" sz="1400" dirty="0"/>
+              <a:t>внутренний инструмент анализа показателей работы SAP </a:t>
             </a:r>
             <a:r>
               <a:rPr lang="ru-RU" sz="1400" dirty="0" smtClean="0"/>
@@ -4138,11 +4229,31 @@
             </a:br>
             <a:r>
               <a:rPr lang="ru-RU" dirty="0"/>
-              <a:t>12:00 - 12:45 "Интеграция с Честный знак" - Антон </a:t>
-            </a:r>
-            <a:r>
-              <a:rPr lang="ru-RU" dirty="0" smtClean="0"/>
-              <a:t>Чаадаев</a:t>
+              <a:t>1</a:t>
+            </a:r>
+            <a:r>
+              <a:rPr lang="en-US" dirty="0"/>
+              <a:t>3</a:t>
+            </a:r>
+            <a:r>
+              <a:rPr lang="ru-RU" dirty="0"/>
+              <a:t>:20 </a:t>
+            </a:r>
+            <a:r>
+              <a:rPr lang="ru-RU" dirty="0"/>
+              <a:t>- </a:t>
+            </a:r>
+            <a:r>
+              <a:rPr lang="ru-RU" dirty="0"/>
+              <a:t>1</a:t>
+            </a:r>
+            <a:r>
+              <a:rPr lang="en-US" dirty="0"/>
+              <a:t>3</a:t>
+            </a:r>
+            <a:r>
+              <a:rPr lang="ru-RU" dirty="0"/>
+              <a:t>:30 перерыв</a:t>
             </a:r>
             <a:r>
               <a:rPr lang="en-US" dirty="0" smtClean="0"/>
@@ -4152,39 +4263,54 @@
               <a:rPr lang="en-US" dirty="0" smtClean="0"/>
             </a:br>
             <a:r>
-              <a:rPr lang="ru-RU" sz="1400" dirty="0" smtClean="0"/>
-              <a:t>Нюансы </a:t>
-            </a:r>
-            <a:r>
-              <a:rPr lang="ru-RU" sz="1400" dirty="0"/>
-              <a:t>и </a:t>
-            </a:r>
-            <a:r>
-              <a:rPr lang="ru-RU" sz="1400" dirty="0" smtClean="0"/>
-              <a:t>сравнение </a:t>
-            </a:r>
-            <a:r>
-              <a:rPr lang="ru-RU" sz="1400" dirty="0"/>
-              <a:t>вариантов реализации авторизации и ЭЦП в рамках интеграции с </a:t>
-            </a:r>
-            <a:r>
-              <a:rPr lang="ru-RU" sz="1400" dirty="0" err="1"/>
-              <a:t>ЧестныйЗнак</a:t>
-            </a:r>
-            <a:r>
-              <a:rPr lang="ru-RU" sz="1400" dirty="0"/>
-              <a:t> на примерах реального проекта, который проходит в 2023 году, версия SAP PO </a:t>
-            </a:r>
-            <a:r>
-              <a:rPr lang="ru-RU" sz="1400" dirty="0" smtClean="0"/>
-              <a:t>7.5</a:t>
-            </a:r>
-            <a:r>
-              <a:rPr lang="en-US" sz="1400" dirty="0" smtClean="0"/>
+              <a:rPr lang="en-US" dirty="0"/>
               <a:t/>
             </a:r>
             <a:br>
-              <a:rPr lang="en-US" sz="1400" dirty="0" smtClean="0"/>
+              <a:rPr lang="en-US" dirty="0"/>
+            </a:br>
+            <a:r>
+              <a:rPr lang="ru-RU" dirty="0" smtClean="0"/>
+              <a:t>13:</a:t>
+            </a:r>
+            <a:r>
+              <a:rPr lang="en-US" dirty="0" smtClean="0"/>
+              <a:t>3</a:t>
+            </a:r>
+            <a:r>
+              <a:rPr lang="ru-RU" dirty="0" smtClean="0"/>
+              <a:t>0 </a:t>
+            </a:r>
+            <a:r>
+              <a:rPr lang="ru-RU" dirty="0"/>
+              <a:t>- </a:t>
+            </a:r>
+            <a:r>
+              <a:rPr lang="ru-RU" dirty="0" smtClean="0"/>
+              <a:t>14:</a:t>
+            </a:r>
+            <a:r>
+              <a:rPr lang="en-US" dirty="0" smtClean="0"/>
+              <a:t>15</a:t>
+            </a:r>
+            <a:r>
+              <a:rPr lang="ru-RU" dirty="0" smtClean="0"/>
+              <a:t> </a:t>
+            </a:r>
+            <a:r>
+              <a:rPr lang="ru-RU" b="1" dirty="0"/>
+              <a:t>Живое обсуждение </a:t>
+            </a:r>
+            <a:r>
+              <a:rPr lang="ru-RU" b="1" dirty="0" err="1" smtClean="0"/>
+              <a:t>импортозамещения</a:t>
+            </a:r>
+            <a:r>
+              <a:rPr lang="en-US" dirty="0" smtClean="0"/>
+              <a:t/>
+            </a:r>
+            <a:br>
+              <a:rPr lang="en-US" dirty="0" smtClean="0"/>
             </a:br>
             <a:r>
               <a:rPr lang="en-US" sz="1000" dirty="0" smtClean="0"/>
@@ -4194,157 +4320,283 @@
               <a:rPr lang="en-US" sz="1000" dirty="0" smtClean="0"/>
             </a:br>
             <a:r>
+              <a:rPr lang="ru-RU" dirty="0" smtClean="0"/>
+              <a:t>14:30 </a:t>
+            </a:r>
+            <a:r>
               <a:rPr lang="ru-RU" dirty="0"/>
-              <a:t>13:00 - 14:00 Живое обсуждение </a:t>
-            </a:r>
-            <a:r>
-              <a:rPr lang="ru-RU" dirty="0" err="1" smtClean="0"/>
-              <a:t>импортозамещения</a:t>
+              <a:t>- </a:t>
+            </a:r>
+            <a:r>
+              <a:rPr lang="ru-RU" dirty="0" smtClean="0"/>
+              <a:t>15:15 </a:t>
+            </a:r>
+            <a:r>
+              <a:rPr lang="ru-RU" dirty="0"/>
+              <a:t>"</a:t>
+            </a:r>
+            <a:r>
+              <a:rPr lang="ru-RU" b="1" dirty="0"/>
+              <a:t>Интеграция с Честный знак</a:t>
+            </a:r>
+            <a:r>
+              <a:rPr lang="ru-RU" dirty="0"/>
+              <a:t>" - Антон Чаадаев</a:t>
+            </a:r>
+            <a:r>
+              <a:rPr lang="en-US" dirty="0"/>
+              <a:t/>
+            </a:r>
+            <a:br>
+              <a:rPr lang="en-US" dirty="0"/>
+            </a:br>
+            <a:r>
+              <a:rPr lang="ru-RU" sz="1400" dirty="0"/>
+              <a:t>Нюансы и сравнение вариантов реализации авторизации и ЭЦП в рамках интеграции с Честный</a:t>
+            </a:r>
+            <a:r>
+              <a:rPr lang="en-US" sz="1400" dirty="0"/>
+              <a:t> </a:t>
+            </a:r>
+            <a:r>
+              <a:rPr lang="ru-RU" sz="1400" dirty="0"/>
+              <a:t>Знак на примерах реального проекта, который проходит в 2023 году, версия SAP PO 7.5</a:t>
+            </a:r>
+            <a:r>
+              <a:rPr lang="en-US" sz="1400" dirty="0"/>
+              <a:t/>
+            </a:r>
+            <a:br>
+              <a:rPr lang="en-US" sz="1400" dirty="0"/>
+            </a:br>
+            <a:r>
+              <a:rPr lang="en-US" sz="1100" dirty="0"/>
+              <a:t/>
+            </a:r>
+            <a:br>
+              <a:rPr lang="en-US" sz="1100" dirty="0"/>
+            </a:br>
+            <a:r>
+              <a:rPr lang="ru-RU" dirty="0" smtClean="0"/>
+              <a:t>15</a:t>
             </a:r>
             <a:r>
               <a:rPr lang="en-US" dirty="0" smtClean="0"/>
-              <a:t/>
-            </a:r>
-            <a:br>
+              <a:t>:</a:t>
+            </a:r>
+            <a:r>
+              <a:rPr lang="ru-RU" dirty="0" smtClean="0"/>
+              <a:t>30 </a:t>
+            </a:r>
+            <a:r>
+              <a:rPr lang="ru-RU" dirty="0"/>
+              <a:t>- </a:t>
+            </a:r>
+            <a:r>
+              <a:rPr lang="ru-RU" dirty="0" smtClean="0"/>
+              <a:t>1</a:t>
+            </a:r>
+            <a:r>
               <a:rPr lang="en-US" dirty="0" smtClean="0"/>
-            </a:br>
-            <a:r>
-              <a:rPr lang="en-US" sz="1000" dirty="0" smtClean="0"/>
-              <a:t/>
-            </a:r>
-            <a:br>
-              <a:rPr lang="en-US" sz="1000" dirty="0" smtClean="0"/>
-            </a:br>
+              <a:t>6</a:t>
+            </a:r>
+            <a:r>
+              <a:rPr lang="ru-RU" dirty="0" smtClean="0"/>
+              <a:t>:00 </a:t>
+            </a:r>
             <a:r>
               <a:rPr lang="ru-RU" dirty="0"/>
-              <a:t>14:00 - 14:30 </a:t>
-            </a:r>
-            <a:r>
-              <a:rPr lang="ru-RU" dirty="0" smtClean="0"/>
-              <a:t>перерыв</a:t>
-            </a:r>
-            <a:r>
-              <a:rPr lang="en-US" dirty="0" smtClean="0"/>
-              <a:t/>
-            </a:r>
-            <a:br>
-              <a:rPr lang="en-US" dirty="0" smtClean="0"/>
-            </a:br>
-            <a:r>
-              <a:rPr lang="en-US" sz="1000" dirty="0" smtClean="0"/>
-              <a:t/>
-            </a:r>
-            <a:br>
-              <a:rPr lang="en-US" sz="1000" dirty="0" smtClean="0"/>
-            </a:br>
-            <a:r>
-              <a:rPr lang="ru-RU" dirty="0" smtClean="0"/>
-              <a:t>14:30 </a:t>
+              <a:t>"</a:t>
+            </a:r>
+            <a:r>
+              <a:rPr lang="ru-RU" b="1" dirty="0" err="1"/>
+              <a:t>bgRFC</a:t>
+            </a:r>
+            <a:r>
+              <a:rPr lang="ru-RU" b="1" dirty="0"/>
+              <a:t> пример</a:t>
             </a:r>
             <a:r>
               <a:rPr lang="ru-RU" dirty="0"/>
-              <a:t>- 15:15 "</a:t>
-            </a:r>
-            <a:r>
-              <a:rPr lang="ru-RU" dirty="0" err="1"/>
-              <a:t>Kafka</a:t>
-            </a:r>
-            <a:r>
-              <a:rPr lang="ru-RU" smtClean="0"/>
-              <a:t>, S3 </a:t>
-            </a:r>
-            <a:r>
-              <a:rPr lang="ru-RU" dirty="0"/>
-              <a:t>без SAP PO" - Олег Башкатов</a:t>
+              <a:t>" - Илья Кузнецов</a:t>
             </a:r>
             <a:br>
               <a:rPr lang="ru-RU" dirty="0"/>
             </a:br>
             <a:r>
-              <a:rPr lang="ru-RU" sz="1500" dirty="0"/>
+              <a:rPr lang="ru-RU" sz="1400" dirty="0"/>
+              <a:t>Илья Кузнецов покажет </a:t>
+            </a:r>
+            <a:r>
+              <a:rPr lang="ru-RU" sz="1400" dirty="0" err="1"/>
+              <a:t>демо</a:t>
+            </a:r>
+            <a:r>
+              <a:rPr lang="ru-RU" sz="1400" dirty="0"/>
+              <a:t> пример отправки заказов и поставок с обработкой в </a:t>
+            </a:r>
+            <a:r>
+              <a:rPr lang="ru-RU" sz="1400" dirty="0" err="1"/>
+              <a:t>bgRFC</a:t>
+            </a:r>
+            <a:r>
+              <a:rPr lang="ru-RU" sz="1400" dirty="0"/>
+              <a:t>. Совсем немного шины и побольше </a:t>
+            </a:r>
+            <a:r>
+              <a:rPr lang="ru-RU" sz="1400" dirty="0" err="1"/>
+              <a:t>абапа</a:t>
+            </a:r>
+            <a:r>
+              <a:rPr lang="ru-RU" sz="1400" dirty="0"/>
+              <a:t> в </a:t>
+            </a:r>
+            <a:r>
+              <a:rPr lang="ru-RU" sz="1400" dirty="0" smtClean="0"/>
+              <a:t>751</a:t>
+            </a:r>
+            <a:r>
+              <a:rPr lang="en-US" sz="1500" dirty="0" smtClean="0"/>
+              <a:t/>
+            </a:r>
+            <a:br>
+              <a:rPr lang="en-US" sz="1500" dirty="0" smtClean="0"/>
+            </a:br>
+            <a:r>
+              <a:rPr lang="en-US" sz="1500" dirty="0" smtClean="0"/>
+              <a:t/>
+            </a:r>
+            <a:br>
+              <a:rPr lang="en-US" sz="1500" dirty="0" smtClean="0"/>
+            </a:br>
+            <a:r>
+              <a:rPr lang="ru-RU" sz="1600" dirty="0" smtClean="0">
+                <a:solidFill>
+                  <a:srgbClr val="92D050"/>
+                </a:solidFill>
+              </a:rPr>
+              <a:t>на следующую неделю уходит </a:t>
+            </a:r>
+            <a:r>
+              <a:rPr lang="ru-RU" sz="1600" dirty="0">
+                <a:solidFill>
+                  <a:srgbClr val="92D050"/>
+                </a:solidFill>
+              </a:rPr>
+              <a:t>"</a:t>
+            </a:r>
+            <a:r>
+              <a:rPr lang="ru-RU" sz="1600" b="1" dirty="0" err="1">
+                <a:solidFill>
+                  <a:srgbClr val="92D050"/>
+                </a:solidFill>
+              </a:rPr>
+              <a:t>Kafka</a:t>
+            </a:r>
+            <a:r>
+              <a:rPr lang="ru-RU" sz="1600" b="1" dirty="0">
+                <a:solidFill>
+                  <a:srgbClr val="92D050"/>
+                </a:solidFill>
+              </a:rPr>
+              <a:t>, S3 без SAP PO</a:t>
+            </a:r>
+            <a:r>
+              <a:rPr lang="ru-RU" sz="1600" dirty="0">
+                <a:solidFill>
+                  <a:srgbClr val="92D050"/>
+                </a:solidFill>
+              </a:rPr>
+              <a:t>" - Олег Башкатов</a:t>
+            </a:r>
+            <a:r>
+              <a:rPr lang="en-US" sz="1600" dirty="0">
+                <a:solidFill>
+                  <a:srgbClr val="92D050"/>
+                </a:solidFill>
+              </a:rPr>
+              <a:t>  </a:t>
+            </a:r>
+            <a:r>
+              <a:rPr lang="ru-RU" sz="1600" dirty="0">
+                <a:solidFill>
+                  <a:srgbClr val="92D050"/>
+                </a:solidFill>
+              </a:rPr>
+              <a:t/>
+            </a:r>
+            <a:br>
+              <a:rPr lang="ru-RU" sz="1600" dirty="0">
+                <a:solidFill>
+                  <a:srgbClr val="92D050"/>
+                </a:solidFill>
+              </a:rPr>
+            </a:br>
+            <a:r>
+              <a:rPr lang="ru-RU" sz="1500" dirty="0">
+                <a:solidFill>
+                  <a:srgbClr val="92D050"/>
+                </a:solidFill>
+              </a:rPr>
               <a:t>Олег Башкатов покажет реализацию идеи </a:t>
             </a:r>
             <a:r>
-              <a:rPr lang="ru-RU" sz="1500" dirty="0" err="1"/>
+              <a:rPr lang="ru-RU" sz="1500" dirty="0" err="1">
+                <a:solidFill>
+                  <a:srgbClr val="92D050"/>
+                </a:solidFill>
+              </a:rPr>
               <a:t>мультиметодов</a:t>
             </a:r>
             <a:r>
-              <a:rPr lang="ru-RU" sz="1500" dirty="0"/>
+              <a:rPr lang="ru-RU" sz="1500" dirty="0">
+                <a:solidFill>
+                  <a:srgbClr val="92D050"/>
+                </a:solidFill>
+              </a:rPr>
               <a:t> для интеграции SAP </a:t>
             </a:r>
             <a:r>
-              <a:rPr lang="ru-RU" sz="1500" dirty="0" err="1"/>
+              <a:rPr lang="ru-RU" sz="1500" dirty="0" err="1">
+                <a:solidFill>
+                  <a:srgbClr val="92D050"/>
+                </a:solidFill>
+              </a:rPr>
               <a:t>NetWeaver</a:t>
             </a:r>
             <a:r>
-              <a:rPr lang="ru-RU" sz="1500" dirty="0"/>
+              <a:rPr lang="ru-RU" sz="1500" dirty="0">
+                <a:solidFill>
+                  <a:srgbClr val="92D050"/>
+                </a:solidFill>
+              </a:rPr>
               <a:t> и внешних сервисов на примере интеграции с </a:t>
             </a:r>
             <a:r>
-              <a:rPr lang="ru-RU" sz="1500" dirty="0" err="1"/>
+              <a:rPr lang="ru-RU" sz="1500" dirty="0" err="1">
+                <a:solidFill>
+                  <a:srgbClr val="92D050"/>
+                </a:solidFill>
+              </a:rPr>
               <a:t>Kafka</a:t>
             </a:r>
             <a:r>
-              <a:rPr lang="ru-RU" sz="1500" dirty="0"/>
-              <a:t> и S3-хранилищем. Реализация сделана в 740</a:t>
-            </a:r>
-            <a:r>
-              <a:rPr lang="ru-RU" sz="1500" dirty="0" smtClean="0"/>
-              <a:t>.</a:t>
-            </a:r>
-            <a:br>
-              <a:rPr lang="ru-RU" sz="1500" dirty="0" smtClean="0"/>
-            </a:br>
-            <a:r>
-              <a:rPr lang="en-US" sz="1000" dirty="0" smtClean="0"/>
-              <a:t/>
-            </a:r>
-            <a:br>
-              <a:rPr lang="en-US" sz="1000" dirty="0" smtClean="0"/>
-            </a:br>
-            <a:r>
-              <a:rPr lang="ru-RU" dirty="0"/>
-              <a:t>15:30 - 16:00 "</a:t>
-            </a:r>
-            <a:r>
-              <a:rPr lang="ru-RU" dirty="0" err="1"/>
-              <a:t>bgRFC</a:t>
-            </a:r>
-            <a:r>
-              <a:rPr lang="ru-RU" dirty="0"/>
-              <a:t> пример" - Илья Кузнецов</a:t>
-            </a:r>
-            <a:br>
-              <a:rPr lang="ru-RU" dirty="0"/>
-            </a:br>
-            <a:r>
-              <a:rPr lang="ru-RU" sz="1500" dirty="0"/>
-              <a:t>Илья Кузнецов покажет </a:t>
-            </a:r>
-            <a:r>
-              <a:rPr lang="ru-RU" sz="1500" dirty="0" err="1"/>
-              <a:t>демо</a:t>
-            </a:r>
-            <a:r>
-              <a:rPr lang="ru-RU" sz="1500" dirty="0"/>
-              <a:t> пример отправки заказов и поставок с обработкой в </a:t>
-            </a:r>
-            <a:r>
-              <a:rPr lang="ru-RU" sz="1500" dirty="0" err="1"/>
-              <a:t>bgRFC</a:t>
-            </a:r>
-            <a:r>
-              <a:rPr lang="ru-RU" sz="1500" dirty="0"/>
-              <a:t>. Совсем немного шины и побольше </a:t>
-            </a:r>
-            <a:r>
-              <a:rPr lang="ru-RU" sz="1500" dirty="0" err="1"/>
-              <a:t>абапа</a:t>
-            </a:r>
-            <a:r>
-              <a:rPr lang="ru-RU" sz="1500" dirty="0"/>
-              <a:t> в 751.</a:t>
-            </a:r>
+              <a:rPr lang="ru-RU" sz="1500" dirty="0">
+                <a:solidFill>
+                  <a:srgbClr val="92D050"/>
+                </a:solidFill>
+              </a:rPr>
+              <a:t> и S3-хранилищем. Реализация сделана в </a:t>
+            </a:r>
+            <a:r>
+              <a:rPr lang="ru-RU" sz="1500" dirty="0" smtClean="0">
+                <a:solidFill>
+                  <a:srgbClr val="92D050"/>
+                </a:solidFill>
+              </a:rPr>
+              <a:t>740</a:t>
+            </a:r>
+            <a:endParaRPr lang="ru-RU" sz="1500" dirty="0"/>
           </a:p>
         </p:txBody>
       </p:sp>
@@ -4394,6 +4646,620 @@
           <a:lstStyle/>
           <a:p>
             <a:r>
+              <a:rPr lang="ru-RU" dirty="0" err="1" smtClean="0"/>
+              <a:t>Импортозамещение</a:t>
+            </a:r>
+            <a:r>
+              <a:rPr lang="ru-RU" dirty="0" smtClean="0"/>
+              <a:t> </a:t>
+            </a:r>
+            <a:r>
+              <a:rPr lang="en-US" dirty="0" smtClean="0"/>
+              <a:t>SAP PO</a:t>
+            </a:r>
+            <a:r>
+              <a:rPr lang="ru-RU" dirty="0" smtClean="0"/>
+              <a:t>: обсуждение</a:t>
+            </a:r>
+            <a:endParaRPr lang="ru-RU" dirty="0"/>
+          </a:p>
+        </p:txBody>
+      </p:sp>
+      <p:sp>
+        <p:nvSpPr>
+          <p:cNvPr id="3" name="Объект 2"/>
+          <p:cNvSpPr>
+            <a:spLocks noGrp="1"/>
+          </p:cNvSpPr>
+          <p:nvPr>
+            <p:ph idx="1"/>
+          </p:nvPr>
+        </p:nvSpPr>
+        <p:spPr/>
+        <p:txBody>
+          <a:bodyPr>
+            <a:normAutofit fontScale="85000" lnSpcReduction="20000"/>
+          </a:bodyPr>
+          <a:lstStyle/>
+          <a:p>
+            <a:r>
+              <a:rPr lang="ru-RU" dirty="0" smtClean="0"/>
+              <a:t>Что и зачем замещать</a:t>
+            </a:r>
+          </a:p>
+          <a:p>
+            <a:pPr lvl="1"/>
+            <a:r>
+              <a:rPr lang="ru-RU" dirty="0" smtClean="0"/>
+              <a:t>если </a:t>
+            </a:r>
+            <a:r>
+              <a:rPr lang="en-US" dirty="0" smtClean="0"/>
+              <a:t>SAP ABAP </a:t>
+            </a:r>
+            <a:r>
+              <a:rPr lang="ru-RU" dirty="0" smtClean="0"/>
+              <a:t>уходит, то прицепом и шина</a:t>
+            </a:r>
+          </a:p>
+          <a:p>
+            <a:pPr lvl="1"/>
+            <a:r>
+              <a:rPr lang="ru-RU" dirty="0" smtClean="0"/>
+              <a:t>На что замещаться?</a:t>
+            </a:r>
+          </a:p>
+          <a:p>
+            <a:pPr lvl="1"/>
+            <a:r>
+              <a:rPr lang="ru-RU" dirty="0" smtClean="0"/>
+              <a:t>«Шины устарели», «надо выставить </a:t>
+            </a:r>
+            <a:r>
+              <a:rPr lang="ru-RU" dirty="0" err="1" smtClean="0"/>
+              <a:t>ендпоинты</a:t>
+            </a:r>
+            <a:r>
+              <a:rPr lang="ru-RU" dirty="0" smtClean="0"/>
+              <a:t> и сервисы»</a:t>
+            </a:r>
+          </a:p>
+          <a:p>
+            <a:pPr lvl="1"/>
+            <a:r>
+              <a:rPr lang="ru-RU" dirty="0"/>
+              <a:t>Всеобщее «Кафка это шина»</a:t>
+            </a:r>
+            <a:endParaRPr lang="en-US" dirty="0" smtClean="0"/>
+          </a:p>
+          <a:p>
+            <a:r>
+              <a:rPr lang="ru-RU" dirty="0" smtClean="0"/>
+              <a:t>Вопрос управления любой интеграцией более важен выбора конкретного наилучшего </a:t>
+            </a:r>
+            <a:r>
+              <a:rPr lang="ru-RU" dirty="0" err="1" smtClean="0"/>
+              <a:t>рантайма</a:t>
+            </a:r>
+            <a:endParaRPr lang="ru-RU" dirty="0" smtClean="0"/>
+          </a:p>
+          <a:p>
+            <a:pPr lvl="1"/>
+            <a:r>
+              <a:rPr lang="ru-RU" dirty="0" smtClean="0"/>
+              <a:t>времена «одна шина от </a:t>
+            </a:r>
+            <a:r>
+              <a:rPr lang="ru-RU" dirty="0" err="1" smtClean="0"/>
+              <a:t>вендора</a:t>
+            </a:r>
+            <a:r>
+              <a:rPr lang="ru-RU" dirty="0" smtClean="0"/>
+              <a:t> на всё» уже прошли</a:t>
+            </a:r>
+          </a:p>
+          <a:p>
+            <a:pPr lvl="1"/>
+            <a:r>
+              <a:rPr lang="ru-RU" dirty="0" smtClean="0"/>
+              <a:t>Начало ЖЦ начинается не с продукта а </a:t>
+            </a:r>
+            <a:r>
+              <a:rPr lang="ru-RU" dirty="0" err="1" smtClean="0"/>
+              <a:t>допродуктового</a:t>
+            </a:r>
+            <a:r>
+              <a:rPr lang="ru-RU" dirty="0" smtClean="0"/>
+              <a:t> проектирования. Выбор </a:t>
+            </a:r>
+            <a:r>
+              <a:rPr lang="ru-RU" dirty="0" err="1" smtClean="0"/>
+              <a:t>рантайма</a:t>
+            </a:r>
+            <a:r>
+              <a:rPr lang="ru-RU" dirty="0" smtClean="0"/>
+              <a:t> и инструмента потом.</a:t>
+            </a:r>
+          </a:p>
+          <a:p>
+            <a:r>
+              <a:rPr lang="ru-RU" dirty="0" smtClean="0"/>
+              <a:t>«Встраивание в </a:t>
+            </a:r>
+            <a:r>
+              <a:rPr lang="ru-RU" dirty="0" err="1" smtClean="0"/>
+              <a:t>ентерпрайз</a:t>
+            </a:r>
+            <a:r>
+              <a:rPr lang="ru-RU" dirty="0"/>
+              <a:t> </a:t>
+            </a:r>
+            <a:r>
+              <a:rPr lang="ru-RU" dirty="0" smtClean="0"/>
+              <a:t>ЖЦ»: инструментов много, </a:t>
+            </a:r>
+            <a:r>
+              <a:rPr lang="ru-RU" dirty="0" err="1" smtClean="0"/>
+              <a:t>рантаймы</a:t>
+            </a:r>
+            <a:r>
+              <a:rPr lang="ru-RU" dirty="0" smtClean="0"/>
+              <a:t> +/- равноценны, в большой корпорации полно разных. Управление ЖЦ разработки и сопровождения, разделение прав, аудит всего -- важны не менее ФТ основного процесса</a:t>
+            </a:r>
+          </a:p>
+          <a:p>
+            <a:r>
+              <a:rPr lang="ru-RU" dirty="0" smtClean="0"/>
+              <a:t>Функциональные возможности предлагаемых инструментов</a:t>
+            </a:r>
+          </a:p>
+          <a:p>
+            <a:r>
+              <a:rPr lang="ru-RU" dirty="0" smtClean="0"/>
+              <a:t>Внутренняя архитектура продукта, среды исполнения, вид артефактов времени исполнения (докеры или монолит или </a:t>
+            </a:r>
+            <a:r>
+              <a:rPr lang="en-US" dirty="0" err="1" smtClean="0"/>
+              <a:t>OSGi</a:t>
+            </a:r>
+            <a:r>
+              <a:rPr lang="ru-RU" dirty="0" smtClean="0"/>
+              <a:t> например)</a:t>
+            </a:r>
+          </a:p>
+          <a:p>
+            <a:endParaRPr lang="ru-RU" dirty="0" smtClean="0"/>
+          </a:p>
+          <a:p>
+            <a:endParaRPr lang="ru-RU" dirty="0"/>
+          </a:p>
+        </p:txBody>
+      </p:sp>
+    </p:spTree>
+    <p:extLst>
+      <p:ext uri="{BB962C8B-B14F-4D97-AF65-F5344CB8AC3E}">
+        <p14:creationId xmlns:p14="http://schemas.microsoft.com/office/powerpoint/2010/main" val="1172526760"/>
+      </p:ext>
+    </p:extLst>
+  </p:cSld>
+  <p:clrMapOvr>
+    <a:masterClrMapping/>
+  </p:clrMapOvr>
+</p:sld>
+</file>
+
+<file path=ppt/slides/slide4.xml><?xml version="1.0" encoding="utf-8"?>
+<p:sld xmlns:a="http://schemas.openxmlformats.org/drawingml/2006/main" xmlns:r="http://schemas.openxmlformats.org/officeDocument/2006/relationships" xmlns:p="http://schemas.openxmlformats.org/presentationml/2006/main">
+  <p:cSld>
+    <p:spTree>
+      <p:nvGrpSpPr>
+        <p:cNvPr id="1" name=""/>
+        <p:cNvGrpSpPr/>
+        <p:nvPr/>
+      </p:nvGrpSpPr>
+      <p:grpSpPr>
+        <a:xfrm>
+          <a:off x="0" y="0"/>
+          <a:ext cx="0" cy="0"/>
+          <a:chOff x="0" y="0"/>
+          <a:chExt cx="0" cy="0"/>
+        </a:xfrm>
+      </p:grpSpPr>
+      <p:sp>
+        <p:nvSpPr>
+          <p:cNvPr id="2" name="Заголовок 1"/>
+          <p:cNvSpPr>
+            <a:spLocks noGrp="1"/>
+          </p:cNvSpPr>
+          <p:nvPr>
+            <p:ph type="title"/>
+          </p:nvPr>
+        </p:nvSpPr>
+        <p:spPr/>
+        <p:txBody>
+          <a:bodyPr/>
+          <a:lstStyle/>
+          <a:p>
+            <a:r>
+              <a:rPr lang="ru-RU" dirty="0" smtClean="0"/>
+              <a:t>Встраивание </a:t>
+            </a:r>
+            <a:r>
+              <a:rPr lang="ru-RU" dirty="0"/>
+              <a:t>в </a:t>
+            </a:r>
+            <a:r>
+              <a:rPr lang="ru-RU" dirty="0" err="1"/>
+              <a:t>ентерпрайз</a:t>
+            </a:r>
+            <a:r>
+              <a:rPr lang="ru-RU" dirty="0"/>
+              <a:t> </a:t>
+            </a:r>
+            <a:r>
+              <a:rPr lang="ru-RU" dirty="0" smtClean="0"/>
+              <a:t>ЖЦ</a:t>
+            </a:r>
+            <a:endParaRPr lang="ru-RU" dirty="0"/>
+          </a:p>
+        </p:txBody>
+      </p:sp>
+      <p:sp>
+        <p:nvSpPr>
+          <p:cNvPr id="3" name="Объект 2"/>
+          <p:cNvSpPr>
+            <a:spLocks noGrp="1"/>
+          </p:cNvSpPr>
+          <p:nvPr>
+            <p:ph idx="1"/>
+          </p:nvPr>
+        </p:nvSpPr>
+        <p:spPr>
+          <a:xfrm>
+            <a:off x="581192" y="2180496"/>
+            <a:ext cx="11178787" cy="3678303"/>
+          </a:xfrm>
+        </p:spPr>
+        <p:txBody>
+          <a:bodyPr/>
+          <a:lstStyle/>
+          <a:p>
+            <a:r>
+              <a:rPr lang="ru-RU" dirty="0" smtClean="0"/>
+              <a:t>Пример – </a:t>
+            </a:r>
+            <a:r>
+              <a:rPr lang="ru-RU" dirty="0" err="1" smtClean="0"/>
+              <a:t>гит+кэмел</a:t>
+            </a:r>
+            <a:r>
+              <a:rPr lang="ru-RU" dirty="0" smtClean="0"/>
+              <a:t>. Настроили </a:t>
+            </a:r>
+            <a:r>
+              <a:rPr lang="en-US" dirty="0" smtClean="0"/>
+              <a:t>CI/CD</a:t>
+            </a:r>
+            <a:r>
+              <a:rPr lang="ru-RU" dirty="0" smtClean="0"/>
+              <a:t> в корпоративном </a:t>
+            </a:r>
+            <a:r>
+              <a:rPr lang="ru-RU" dirty="0" err="1" smtClean="0"/>
+              <a:t>гитлабе</a:t>
+            </a:r>
+            <a:r>
+              <a:rPr lang="ru-RU" dirty="0" smtClean="0"/>
+              <a:t> например.</a:t>
+            </a:r>
+            <a:endParaRPr lang="en-US" dirty="0" smtClean="0"/>
+          </a:p>
+          <a:p>
+            <a:pPr lvl="1"/>
+            <a:r>
+              <a:rPr lang="ru-RU" dirty="0" smtClean="0"/>
+              <a:t>Интеграционный </a:t>
+            </a:r>
+            <a:r>
+              <a:rPr lang="ru-RU" dirty="0" err="1" smtClean="0"/>
+              <a:t>рантайм</a:t>
+            </a:r>
+            <a:r>
+              <a:rPr lang="ru-RU" dirty="0" smtClean="0"/>
+              <a:t> – тоже приложение в образе, </a:t>
+            </a:r>
+            <a:r>
+              <a:rPr lang="ru-RU" dirty="0" err="1" smtClean="0"/>
+              <a:t>задеплоенное</a:t>
+            </a:r>
+            <a:r>
+              <a:rPr lang="ru-RU" dirty="0" smtClean="0"/>
+              <a:t> в </a:t>
+            </a:r>
+            <a:r>
+              <a:rPr lang="en-US" dirty="0" smtClean="0"/>
+              <a:t>OKD</a:t>
+            </a:r>
+            <a:r>
+              <a:rPr lang="ru-RU" dirty="0" smtClean="0"/>
+              <a:t> например и собираемое в общем </a:t>
+            </a:r>
+            <a:r>
+              <a:rPr lang="en-US" dirty="0" smtClean="0"/>
+              <a:t>CI/CD</a:t>
+            </a:r>
+            <a:endParaRPr lang="ru-RU" dirty="0" smtClean="0"/>
+          </a:p>
+          <a:p>
+            <a:pPr lvl="1"/>
+            <a:r>
+              <a:rPr lang="ru-RU" dirty="0" smtClean="0"/>
+              <a:t>Мы из сап-мира привыкли что на входе идёт коробка которая управляет частью ЖЦ. Вопрос транспорта изменений в </a:t>
+            </a:r>
+            <a:r>
+              <a:rPr lang="ru-RU" dirty="0" err="1" smtClean="0"/>
+              <a:t>прод</a:t>
+            </a:r>
+            <a:r>
+              <a:rPr lang="ru-RU" dirty="0" smtClean="0"/>
+              <a:t> (запросы на изменения). Какой-то конвейер сборки с контролем целостности должен быть (надёжно</a:t>
+            </a:r>
+            <a:r>
+              <a:rPr lang="en-US" dirty="0" smtClean="0"/>
+              <a:t>;</a:t>
+            </a:r>
+            <a:r>
+              <a:rPr lang="ru-RU" dirty="0" smtClean="0"/>
+              <a:t> быстро)</a:t>
+            </a:r>
+            <a:endParaRPr lang="en-US" dirty="0" smtClean="0"/>
+          </a:p>
+          <a:p>
+            <a:pPr lvl="2"/>
+            <a:r>
+              <a:rPr lang="en-US" dirty="0" smtClean="0"/>
+              <a:t>+</a:t>
+            </a:r>
+            <a:r>
+              <a:rPr lang="ru-RU" dirty="0" smtClean="0"/>
+              <a:t> Ролевая модель полномочий. Изоляция </a:t>
+            </a:r>
+            <a:r>
+              <a:rPr lang="ru-RU" dirty="0" err="1" smtClean="0"/>
+              <a:t>прода</a:t>
+            </a:r>
+            <a:r>
+              <a:rPr lang="ru-RU" dirty="0" smtClean="0"/>
+              <a:t> от неавторизованных изменений наглухо</a:t>
+            </a:r>
+            <a:endParaRPr lang="en-US" dirty="0"/>
+          </a:p>
+          <a:p>
+            <a:pPr lvl="1"/>
+            <a:r>
+              <a:rPr lang="ru-RU" dirty="0" smtClean="0"/>
+              <a:t>Мониторинг (</a:t>
+            </a:r>
+            <a:r>
+              <a:rPr lang="ru-RU" dirty="0" err="1" smtClean="0"/>
+              <a:t>техника+бизнес</a:t>
+            </a:r>
+            <a:r>
+              <a:rPr lang="ru-RU" dirty="0" smtClean="0"/>
+              <a:t>) и </a:t>
+            </a:r>
+            <a:r>
+              <a:rPr lang="ru-RU" dirty="0" err="1" smtClean="0"/>
+              <a:t>журналирование</a:t>
+            </a:r>
+            <a:r>
+              <a:rPr lang="ru-RU" dirty="0" smtClean="0"/>
+              <a:t>. </a:t>
+            </a:r>
+            <a:r>
+              <a:rPr lang="ru-RU" dirty="0" err="1" smtClean="0"/>
+              <a:t>Алерты</a:t>
+            </a:r>
+            <a:r>
+              <a:rPr lang="ru-RU" dirty="0" smtClean="0"/>
+              <a:t>.</a:t>
+            </a:r>
+          </a:p>
+          <a:p>
+            <a:pPr lvl="1"/>
+            <a:r>
+              <a:rPr lang="ru-RU" dirty="0" smtClean="0"/>
+              <a:t>Как быть с продуктами где есть свои встроенные инструменты разработки??? (есть </a:t>
+            </a:r>
+            <a:r>
+              <a:rPr lang="en-US" dirty="0" err="1" smtClean="0"/>
+              <a:t>lowcode</a:t>
+            </a:r>
+            <a:r>
+              <a:rPr lang="en-US" dirty="0" smtClean="0"/>
+              <a:t> </a:t>
+            </a:r>
+            <a:r>
+              <a:rPr lang="ru-RU" dirty="0" smtClean="0"/>
+              <a:t>который только изнутри правится)</a:t>
+            </a:r>
+          </a:p>
+          <a:p>
+            <a:pPr lvl="1"/>
+            <a:r>
+              <a:rPr lang="ru-RU" dirty="0" smtClean="0"/>
+              <a:t>Обучение, доступность тренировочных материалов, документация + справка</a:t>
+            </a:r>
+          </a:p>
+          <a:p>
+            <a:pPr lvl="1"/>
+            <a:endParaRPr lang="ru-RU" dirty="0" smtClean="0"/>
+          </a:p>
+          <a:p>
+            <a:pPr lvl="1"/>
+            <a:endParaRPr lang="ru-RU" dirty="0"/>
+          </a:p>
+        </p:txBody>
+      </p:sp>
+    </p:spTree>
+    <p:extLst>
+      <p:ext uri="{BB962C8B-B14F-4D97-AF65-F5344CB8AC3E}">
+        <p14:creationId xmlns:p14="http://schemas.microsoft.com/office/powerpoint/2010/main" val="4210534662"/>
+      </p:ext>
+    </p:extLst>
+  </p:cSld>
+  <p:clrMapOvr>
+    <a:masterClrMapping/>
+  </p:clrMapOvr>
+</p:sld>
+</file>
+
+<file path=ppt/slides/slide5.xml><?xml version="1.0" encoding="utf-8"?>
+<p:sld xmlns:a="http://schemas.openxmlformats.org/drawingml/2006/main" xmlns:r="http://schemas.openxmlformats.org/officeDocument/2006/relationships" xmlns:p="http://schemas.openxmlformats.org/presentationml/2006/main">
+  <p:cSld>
+    <p:spTree>
+      <p:nvGrpSpPr>
+        <p:cNvPr id="1" name=""/>
+        <p:cNvGrpSpPr/>
+        <p:nvPr/>
+      </p:nvGrpSpPr>
+      <p:grpSpPr>
+        <a:xfrm>
+          <a:off x="0" y="0"/>
+          <a:ext cx="0" cy="0"/>
+          <a:chOff x="0" y="0"/>
+          <a:chExt cx="0" cy="0"/>
+        </a:xfrm>
+      </p:grpSpPr>
+      <p:sp>
+        <p:nvSpPr>
+          <p:cNvPr id="2" name="Заголовок 1"/>
+          <p:cNvSpPr>
+            <a:spLocks noGrp="1"/>
+          </p:cNvSpPr>
+          <p:nvPr>
+            <p:ph type="title"/>
+          </p:nvPr>
+        </p:nvSpPr>
+        <p:spPr/>
+        <p:txBody>
+          <a:bodyPr/>
+          <a:lstStyle/>
+          <a:p>
+            <a:r>
+              <a:rPr lang="ru-RU" dirty="0" smtClean="0"/>
+              <a:t>Управление зоопарком разных продуктов</a:t>
+            </a:r>
+            <a:endParaRPr lang="ru-RU" dirty="0"/>
+          </a:p>
+        </p:txBody>
+      </p:sp>
+      <p:sp>
+        <p:nvSpPr>
+          <p:cNvPr id="3" name="Объект 2"/>
+          <p:cNvSpPr>
+            <a:spLocks noGrp="1"/>
+          </p:cNvSpPr>
+          <p:nvPr>
+            <p:ph idx="1"/>
+          </p:nvPr>
+        </p:nvSpPr>
+        <p:spPr>
+          <a:xfrm>
+            <a:off x="581192" y="2180496"/>
+            <a:ext cx="11178787" cy="3678303"/>
+          </a:xfrm>
+        </p:spPr>
+        <p:txBody>
+          <a:bodyPr/>
+          <a:lstStyle/>
+          <a:p>
+            <a:r>
+              <a:rPr lang="en-US" dirty="0" smtClean="0"/>
+              <a:t>Observability – </a:t>
+            </a:r>
+            <a:r>
+              <a:rPr lang="ru-RU" dirty="0" smtClean="0"/>
+              <a:t>внятное видение ландшафта и потоков, метрик. Качество понимания и владения ситуацией.</a:t>
+            </a:r>
+          </a:p>
+          <a:p>
+            <a:r>
+              <a:rPr lang="ru-RU" dirty="0" smtClean="0"/>
+              <a:t>Владелец зоопарка должен установить общий подход к его управлению</a:t>
+            </a:r>
+          </a:p>
+          <a:p>
+            <a:r>
+              <a:rPr lang="ru-RU" dirty="0" smtClean="0"/>
+              <a:t>Жизненно необходим ЦУП (ЦУ потоками) с каталогами, справочниками, контрактами</a:t>
+            </a:r>
+          </a:p>
+          <a:p>
+            <a:r>
+              <a:rPr lang="en-US" dirty="0" smtClean="0"/>
+              <a:t>Business Activity Monitoring: </a:t>
+            </a:r>
+            <a:r>
+              <a:rPr lang="ru-RU" dirty="0" err="1" smtClean="0"/>
+              <a:t>алерты</a:t>
+            </a:r>
+            <a:r>
+              <a:rPr lang="ru-RU" dirty="0" smtClean="0"/>
+              <a:t> показывают что что-то сломалось а как доказать что всё работает</a:t>
+            </a:r>
+          </a:p>
+          <a:p>
+            <a:endParaRPr lang="en-US" dirty="0" smtClean="0"/>
+          </a:p>
+        </p:txBody>
+      </p:sp>
+    </p:spTree>
+    <p:extLst>
+      <p:ext uri="{BB962C8B-B14F-4D97-AF65-F5344CB8AC3E}">
+        <p14:creationId xmlns:p14="http://schemas.microsoft.com/office/powerpoint/2010/main" val="515762593"/>
+      </p:ext>
+    </p:extLst>
+  </p:cSld>
+  <p:clrMapOvr>
+    <a:masterClrMapping/>
+  </p:clrMapOvr>
+</p:sld>
+</file>
+
+<file path=ppt/slides/slide6.xml><?xml version="1.0" encoding="utf-8"?>
+<p:sld xmlns:a="http://schemas.openxmlformats.org/drawingml/2006/main" xmlns:r="http://schemas.openxmlformats.org/officeDocument/2006/relationships" xmlns:p="http://schemas.openxmlformats.org/presentationml/2006/main">
+  <p:cSld>
+    <p:spTree>
+      <p:nvGrpSpPr>
+        <p:cNvPr id="1" name=""/>
+        <p:cNvGrpSpPr/>
+        <p:nvPr/>
+      </p:nvGrpSpPr>
+      <p:grpSpPr>
+        <a:xfrm>
+          <a:off x="0" y="0"/>
+          <a:ext cx="0" cy="0"/>
+          <a:chOff x="0" y="0"/>
+          <a:chExt cx="0" cy="0"/>
+        </a:xfrm>
+      </p:grpSpPr>
+      <p:sp>
+        <p:nvSpPr>
+          <p:cNvPr id="2" name="Заголовок 1"/>
+          <p:cNvSpPr>
+            <a:spLocks noGrp="1"/>
+          </p:cNvSpPr>
+          <p:nvPr>
+            <p:ph type="title"/>
+          </p:nvPr>
+        </p:nvSpPr>
+        <p:spPr/>
+        <p:txBody>
+          <a:bodyPr/>
+          <a:lstStyle/>
+          <a:p>
+            <a:r>
               <a:rPr lang="en-US" dirty="0" err="1" smtClean="0"/>
               <a:t>Github</a:t>
             </a:r>
@@ -4434,26 +5300,23 @@
             <a:r>
               <a:rPr lang="en-US" dirty="0" smtClean="0"/>
               <a:t> </a:t>
+            </a:r>
+            <a:r>
+              <a:rPr lang="en-US" dirty="0">
+                <a:hlinkClick r:id="rId2"/>
+              </a:rPr>
+              <a:t>https://</a:t>
             </a:r>
             <a:r>
               <a:rPr lang="en-US" dirty="0" smtClean="0">
                 <a:hlinkClick r:id="rId2"/>
               </a:rPr>
-              <a:t>https</a:t>
-            </a:r>
-            <a:r>
-              <a:rPr lang="en-US" dirty="0">
-                <a:hlinkClick r:id="rId2"/>
-              </a:rPr>
-              <a:t>://</a:t>
-            </a:r>
-            <a:r>
-              <a:rPr lang="en-US" dirty="0" smtClean="0">
-                <a:hlinkClick r:id="rId2"/>
-              </a:rPr>
-              <a:t>github.com/rsugio/pimon</a:t>
-            </a:r>
-            <a:endParaRPr lang="en-US" dirty="0" smtClean="0"/>
+              <a:t>github.com/rsugio/PIMON/tree/master/PIMON-2023</a:t>
+            </a:r>
+            <a:r>
+              <a:rPr lang="en-US" dirty="0" smtClean="0"/>
+              <a:t> </a:t>
+            </a:r>
           </a:p>
           <a:p>
             <a:pPr marL="0" indent="0">
@@ -4479,7 +5342,6 @@
               <a:rPr lang="en-US" dirty="0" smtClean="0"/>
               <a:t> </a:t>
             </a:r>
-            <a:endParaRPr lang="en-US" dirty="0" smtClean="0"/>
           </a:p>
           <a:p>
             <a:pPr marL="0" indent="0">
@@ -4525,6 +5387,36 @@
           </a:p>
         </p:txBody>
       </p:sp>
+      <p:pic>
+        <p:nvPicPr>
+          <p:cNvPr id="4" name="Рисунок 3"/>
+          <p:cNvPicPr>
+            <a:picLocks noChangeAspect="1"/>
+          </p:cNvPicPr>
+          <p:nvPr/>
+        </p:nvPicPr>
+        <p:blipFill>
+          <a:blip r:embed="rId5">
+            <a:extLst>
+              <a:ext uri="{28A0092B-C50C-407E-A947-70E740481C1C}">
+                <a14:useLocalDpi xmlns:a14="http://schemas.microsoft.com/office/drawing/2010/main" val="0"/>
+              </a:ext>
+            </a:extLst>
+          </a:blip>
+          <a:stretch>
+            <a:fillRect/>
+          </a:stretch>
+        </p:blipFill>
+        <p:spPr>
+          <a:xfrm>
+            <a:off x="11081084" y="5791200"/>
+            <a:ext cx="776360" cy="776360"/>
+          </a:xfrm>
+          <a:prstGeom prst="rect">
+            <a:avLst/>
+          </a:prstGeom>
+        </p:spPr>
+      </p:pic>
     </p:spTree>
     <p:extLst>
       <p:ext uri="{BB962C8B-B14F-4D97-AF65-F5344CB8AC3E}">
